--- a/assets/Azure_Verified_Modules_2024.pptx
+++ b/assets/Azure_Verified_Modules_2024.pptx
@@ -123,6 +123,75 @@
 
 <file path=ppt/changesInfos/changesInfo1.xml><?xml version="1.0" encoding="utf-8"?>
 <pc:chgInfo xmlns:a="http://schemas.openxmlformats.org/drawingml/2006/main" xmlns:r="http://schemas.openxmlformats.org/officeDocument/2006/relationships" xmlns:ac="http://schemas.microsoft.com/office/drawing/2013/main/command" xmlns:pc="http://schemas.microsoft.com/office/powerpoint/2013/main/command">
+  <pc:docChgLst>
+    <pc:chgData name="Marcel L" userId="c7d15ef2112bf917" providerId="LiveId" clId="{6049D17B-2B5B-455B-BBD4-92B9629BE96C}"/>
+    <pc:docChg chg="modSld">
+      <pc:chgData name="Marcel L" userId="c7d15ef2112bf917" providerId="LiveId" clId="{6049D17B-2B5B-455B-BBD4-92B9629BE96C}" dt="2024-04-18T13:31:53.186" v="75" actId="6549"/>
+      <pc:docMkLst>
+        <pc:docMk/>
+      </pc:docMkLst>
+      <pc:sldChg chg="modSp mod">
+        <pc:chgData name="Marcel L" userId="c7d15ef2112bf917" providerId="LiveId" clId="{6049D17B-2B5B-455B-BBD4-92B9629BE96C}" dt="2024-04-18T13:29:41.009" v="10" actId="20577"/>
+        <pc:sldMkLst>
+          <pc:docMk/>
+          <pc:sldMk cId="1934415830" sldId="257"/>
+        </pc:sldMkLst>
+        <pc:spChg chg="mod">
+          <ac:chgData name="Marcel L" userId="c7d15ef2112bf917" providerId="LiveId" clId="{6049D17B-2B5B-455B-BBD4-92B9629BE96C}" dt="2024-04-18T13:29:41.009" v="10" actId="20577"/>
+          <ac:spMkLst>
+            <pc:docMk/>
+            <pc:sldMk cId="1934415830" sldId="257"/>
+            <ac:spMk id="26" creationId="{4FF97066-0CDA-E710-AB7F-5FB4492617ED}"/>
+          </ac:spMkLst>
+        </pc:spChg>
+      </pc:sldChg>
+      <pc:sldChg chg="modSp mod">
+        <pc:chgData name="Marcel L" userId="c7d15ef2112bf917" providerId="LiveId" clId="{6049D17B-2B5B-455B-BBD4-92B9629BE96C}" dt="2024-04-18T13:30:21.401" v="36" actId="20577"/>
+        <pc:sldMkLst>
+          <pc:docMk/>
+          <pc:sldMk cId="1568555394" sldId="258"/>
+        </pc:sldMkLst>
+        <pc:spChg chg="mod">
+          <ac:chgData name="Marcel L" userId="c7d15ef2112bf917" providerId="LiveId" clId="{6049D17B-2B5B-455B-BBD4-92B9629BE96C}" dt="2024-04-18T13:30:21.401" v="36" actId="20577"/>
+          <ac:spMkLst>
+            <pc:docMk/>
+            <pc:sldMk cId="1568555394" sldId="258"/>
+            <ac:spMk id="84" creationId="{76B10F75-F2FE-E25C-5225-9B718B4DAE4A}"/>
+          </ac:spMkLst>
+        </pc:spChg>
+      </pc:sldChg>
+      <pc:sldChg chg="modSp mod">
+        <pc:chgData name="Marcel L" userId="c7d15ef2112bf917" providerId="LiveId" clId="{6049D17B-2B5B-455B-BBD4-92B9629BE96C}" dt="2024-04-18T13:30:38.633" v="49" actId="20577"/>
+        <pc:sldMkLst>
+          <pc:docMk/>
+          <pc:sldMk cId="4078894800" sldId="260"/>
+        </pc:sldMkLst>
+        <pc:spChg chg="mod">
+          <ac:chgData name="Marcel L" userId="c7d15ef2112bf917" providerId="LiveId" clId="{6049D17B-2B5B-455B-BBD4-92B9629BE96C}" dt="2024-04-18T13:30:38.633" v="49" actId="20577"/>
+          <ac:spMkLst>
+            <pc:docMk/>
+            <pc:sldMk cId="4078894800" sldId="260"/>
+            <ac:spMk id="3" creationId="{EA2CD48C-05C3-C2C6-71CC-E82BBBC325AE}"/>
+          </ac:spMkLst>
+        </pc:spChg>
+      </pc:sldChg>
+      <pc:sldChg chg="modSp mod">
+        <pc:chgData name="Marcel L" userId="c7d15ef2112bf917" providerId="LiveId" clId="{6049D17B-2B5B-455B-BBD4-92B9629BE96C}" dt="2024-04-18T13:31:53.186" v="75" actId="6549"/>
+        <pc:sldMkLst>
+          <pc:docMk/>
+          <pc:sldMk cId="3150496028" sldId="261"/>
+        </pc:sldMkLst>
+        <pc:spChg chg="mod">
+          <ac:chgData name="Marcel L" userId="c7d15ef2112bf917" providerId="LiveId" clId="{6049D17B-2B5B-455B-BBD4-92B9629BE96C}" dt="2024-04-18T13:31:53.186" v="75" actId="6549"/>
+          <ac:spMkLst>
+            <pc:docMk/>
+            <pc:sldMk cId="3150496028" sldId="261"/>
+            <ac:spMk id="3" creationId="{E3286D43-5488-21A4-41A9-9FD262B8813E}"/>
+          </ac:spMkLst>
+        </pc:spChg>
+      </pc:sldChg>
+    </pc:docChg>
+  </pc:docChgLst>
   <pc:docChgLst>
     <pc:chgData name="Marcel Lupo" userId="2743a80d-768a-4d4c-9c9f-b7bce581293f" providerId="ADAL" clId="{16515FB6-8107-4644-BD02-29038E5AF31A}"/>
     <pc:docChg chg="custSel delSld modSld">
@@ -5696,7 +5765,7 @@
           <a:p>
             <a:r>
               <a:rPr lang="en-US" sz="2000" dirty="0"/>
-              <a:t>Consistency in Features</a:t>
+              <a:t>Consistency in Features/Interfaces</a:t>
             </a:r>
           </a:p>
           <a:p>
@@ -6129,7 +6198,7 @@
             <a:pPr lvl="1"/>
             <a:r>
               <a:rPr lang="en-US" sz="1800" dirty="0"/>
-              <a:t>Compliant with Azure Well-Architected Framework following best practices</a:t>
+              <a:t>Compliant with Azure Well-Architected Framework that follows best practice</a:t>
             </a:r>
           </a:p>
           <a:p>
@@ -6163,7 +6232,7 @@
             <a:pPr lvl="1"/>
             <a:r>
               <a:rPr lang="en-US" sz="1800" dirty="0"/>
-              <a:t>Same pattern and features across all modules</a:t>
+              <a:t>Same pattern and features across all modules (interfaces)</a:t>
             </a:r>
           </a:p>
         </p:txBody>
@@ -6925,7 +6994,7 @@
           <a:p>
             <a:r>
               <a:rPr lang="en-US" sz="2000" dirty="0"/>
-              <a:t>Modules follow consistent design patterns and features which improve usability and maintainability</a:t>
+              <a:t>Modules follow consistent design patterns and features which improve usability and maintainability (interfaces)</a:t>
             </a:r>
           </a:p>
           <a:p>
@@ -7254,14 +7323,14 @@
             <a:pPr lvl="1"/>
             <a:r>
               <a:rPr lang="en-US" sz="1200" dirty="0"/>
-              <a:t>Resource modules support optional features/extension resources</a:t>
+              <a:t>Resource modules support optional features/extension</a:t>
             </a:r>
           </a:p>
           <a:p>
             <a:pPr lvl="1"/>
             <a:r>
               <a:rPr lang="en-US" sz="1200" dirty="0"/>
-              <a:t>Top-level variable/parameter are named the same in every module</a:t>
+              <a:t>Top-level variables/parameter are named the same in every module</a:t>
             </a:r>
           </a:p>
           <a:p>
@@ -7280,7 +7349,7 @@
           <a:p>
             <a:r>
               <a:rPr lang="en-US" sz="1400" dirty="0"/>
-              <a:t>Examples of consistent features include:</a:t>
+              <a:t>Examples of consistent interfaces include:</a:t>
             </a:r>
           </a:p>
           <a:p>

--- a/assets/Azure_Verified_Modules_2024.pptx
+++ b/assets/Azure_Verified_Modules_2024.pptx
@@ -125,8 +125,8 @@
 <pc:chgInfo xmlns:a="http://schemas.openxmlformats.org/drawingml/2006/main" xmlns:r="http://schemas.openxmlformats.org/officeDocument/2006/relationships" xmlns:ac="http://schemas.microsoft.com/office/drawing/2013/main/command" xmlns:pc="http://schemas.microsoft.com/office/powerpoint/2013/main/command">
   <pc:docChgLst>
     <pc:chgData name="Marcel L" userId="c7d15ef2112bf917" providerId="LiveId" clId="{6049D17B-2B5B-455B-BBD4-92B9629BE96C}"/>
-    <pc:docChg chg="modSld">
-      <pc:chgData name="Marcel L" userId="c7d15ef2112bf917" providerId="LiveId" clId="{6049D17B-2B5B-455B-BBD4-92B9629BE96C}" dt="2024-04-18T13:31:53.186" v="75" actId="6549"/>
+    <pc:docChg chg="undo custSel modSld">
+      <pc:chgData name="Marcel L" userId="c7d15ef2112bf917" providerId="LiveId" clId="{6049D17B-2B5B-455B-BBD4-92B9629BE96C}" dt="2024-04-18T14:09:09.063" v="79"/>
       <pc:docMkLst>
         <pc:docMk/>
       </pc:docMkLst>
@@ -176,13 +176,13 @@
         </pc:spChg>
       </pc:sldChg>
       <pc:sldChg chg="modSp mod">
-        <pc:chgData name="Marcel L" userId="c7d15ef2112bf917" providerId="LiveId" clId="{6049D17B-2B5B-455B-BBD4-92B9629BE96C}" dt="2024-04-18T13:31:53.186" v="75" actId="6549"/>
+        <pc:chgData name="Marcel L" userId="c7d15ef2112bf917" providerId="LiveId" clId="{6049D17B-2B5B-455B-BBD4-92B9629BE96C}" dt="2024-04-18T14:09:09.063" v="79"/>
         <pc:sldMkLst>
           <pc:docMk/>
           <pc:sldMk cId="3150496028" sldId="261"/>
         </pc:sldMkLst>
         <pc:spChg chg="mod">
-          <ac:chgData name="Marcel L" userId="c7d15ef2112bf917" providerId="LiveId" clId="{6049D17B-2B5B-455B-BBD4-92B9629BE96C}" dt="2024-04-18T13:31:53.186" v="75" actId="6549"/>
+          <ac:chgData name="Marcel L" userId="c7d15ef2112bf917" providerId="LiveId" clId="{6049D17B-2B5B-455B-BBD4-92B9629BE96C}" dt="2024-04-18T14:09:09.063" v="79"/>
           <ac:spMkLst>
             <pc:docMk/>
             <pc:sldMk cId="3150496028" sldId="261"/>
@@ -7355,54 +7355,58 @@
           <a:p>
             <a:pPr lvl="1"/>
             <a:r>
-              <a:rPr lang="en-US" sz="1200" dirty="0"/>
-              <a:t>Role Assignments (RBAC)</a:t>
+              <a:rPr lang="en-US" sz="1200"/>
+              <a:t>Diagnostic Settings</a:t>
             </a:r>
           </a:p>
           <a:p>
             <a:pPr lvl="1"/>
             <a:r>
-              <a:rPr lang="en-US" sz="1200" dirty="0"/>
-              <a:t>Locks</a:t>
+              <a:rPr lang="en-US" sz="1200"/>
+              <a:t>Role Assignments</a:t>
             </a:r>
           </a:p>
           <a:p>
             <a:pPr lvl="1"/>
             <a:r>
-              <a:rPr lang="en-US" sz="1200" dirty="0"/>
+              <a:rPr lang="en-US" sz="1200"/>
+              <a:t>Resource Locks</a:t>
+            </a:r>
+          </a:p>
+          <a:p>
+            <a:pPr lvl="1"/>
+            <a:r>
+              <a:rPr lang="en-US" sz="1200"/>
+              <a:t>Tags</a:t>
+            </a:r>
+          </a:p>
+          <a:p>
+            <a:pPr lvl="1"/>
+            <a:r>
+              <a:rPr lang="en-US" sz="1200"/>
               <a:t>Managed Identities</a:t>
             </a:r>
           </a:p>
           <a:p>
             <a:pPr lvl="1"/>
             <a:r>
-              <a:rPr lang="en-US" sz="1200" dirty="0"/>
+              <a:rPr lang="en-US" sz="1200"/>
               <a:t>Private Endpoints</a:t>
             </a:r>
           </a:p>
           <a:p>
             <a:pPr lvl="1"/>
             <a:r>
-              <a:rPr lang="en-US" sz="1200" dirty="0"/>
+              <a:rPr lang="en-US" sz="1200"/>
               <a:t>Customer Managed Keys</a:t>
             </a:r>
           </a:p>
           <a:p>
             <a:pPr lvl="1"/>
             <a:r>
-              <a:rPr lang="en-US" sz="1200" dirty="0"/>
-              <a:t>Diagnostics</a:t>
-            </a:r>
-          </a:p>
-          <a:p>
-            <a:pPr lvl="1"/>
-            <a:r>
-              <a:rPr lang="en-US" sz="1200" dirty="0"/>
-              <a:t>Tags</a:t>
-            </a:r>
-          </a:p>
-          <a:p>
-            <a:pPr lvl="1"/>
+              <a:rPr lang="en-US" sz="1200"/>
+              <a:t>Azure Monitor Alerts</a:t>
+            </a:r>
             <a:endParaRPr lang="en-GB" dirty="0"/>
           </a:p>
         </p:txBody>
